--- a/doc/tex/sdf/simplified_coherent_receiver/slides/figures/Practical_setup_TxRx.pptx
+++ b/doc/tex/sdf/simplified_coherent_receiver/slides/figures/Practical_setup_TxRx.pptx
@@ -243,7 +243,7 @@
           <a:p>
             <a:fld id="{2680F75E-BF8A-4352-8DF2-5712531B63DB}" type="datetimeFigureOut">
               <a:rPr lang="pt-PT" smtClean="0"/>
-              <a:t>07/11/2017</a:t>
+              <a:t>10/11/2017</a:t>
             </a:fld>
             <a:endParaRPr lang="pt-PT"/>
           </a:p>
@@ -413,7 +413,7 @@
           <a:p>
             <a:fld id="{2680F75E-BF8A-4352-8DF2-5712531B63DB}" type="datetimeFigureOut">
               <a:rPr lang="pt-PT" smtClean="0"/>
-              <a:t>07/11/2017</a:t>
+              <a:t>10/11/2017</a:t>
             </a:fld>
             <a:endParaRPr lang="pt-PT"/>
           </a:p>
@@ -593,7 +593,7 @@
           <a:p>
             <a:fld id="{2680F75E-BF8A-4352-8DF2-5712531B63DB}" type="datetimeFigureOut">
               <a:rPr lang="pt-PT" smtClean="0"/>
-              <a:t>07/11/2017</a:t>
+              <a:t>10/11/2017</a:t>
             </a:fld>
             <a:endParaRPr lang="pt-PT"/>
           </a:p>
@@ -763,7 +763,7 @@
           <a:p>
             <a:fld id="{2680F75E-BF8A-4352-8DF2-5712531B63DB}" type="datetimeFigureOut">
               <a:rPr lang="pt-PT" smtClean="0"/>
-              <a:t>07/11/2017</a:t>
+              <a:t>10/11/2017</a:t>
             </a:fld>
             <a:endParaRPr lang="pt-PT"/>
           </a:p>
@@ -1009,7 +1009,7 @@
           <a:p>
             <a:fld id="{2680F75E-BF8A-4352-8DF2-5712531B63DB}" type="datetimeFigureOut">
               <a:rPr lang="pt-PT" smtClean="0"/>
-              <a:t>07/11/2017</a:t>
+              <a:t>10/11/2017</a:t>
             </a:fld>
             <a:endParaRPr lang="pt-PT"/>
           </a:p>
@@ -1241,7 +1241,7 @@
           <a:p>
             <a:fld id="{2680F75E-BF8A-4352-8DF2-5712531B63DB}" type="datetimeFigureOut">
               <a:rPr lang="pt-PT" smtClean="0"/>
-              <a:t>07/11/2017</a:t>
+              <a:t>10/11/2017</a:t>
             </a:fld>
             <a:endParaRPr lang="pt-PT"/>
           </a:p>
@@ -1608,7 +1608,7 @@
           <a:p>
             <a:fld id="{2680F75E-BF8A-4352-8DF2-5712531B63DB}" type="datetimeFigureOut">
               <a:rPr lang="pt-PT" smtClean="0"/>
-              <a:t>07/11/2017</a:t>
+              <a:t>10/11/2017</a:t>
             </a:fld>
             <a:endParaRPr lang="pt-PT"/>
           </a:p>
@@ -1726,7 +1726,7 @@
           <a:p>
             <a:fld id="{2680F75E-BF8A-4352-8DF2-5712531B63DB}" type="datetimeFigureOut">
               <a:rPr lang="pt-PT" smtClean="0"/>
-              <a:t>07/11/2017</a:t>
+              <a:t>10/11/2017</a:t>
             </a:fld>
             <a:endParaRPr lang="pt-PT"/>
           </a:p>
@@ -1821,7 +1821,7 @@
           <a:p>
             <a:fld id="{2680F75E-BF8A-4352-8DF2-5712531B63DB}" type="datetimeFigureOut">
               <a:rPr lang="pt-PT" smtClean="0"/>
-              <a:t>07/11/2017</a:t>
+              <a:t>10/11/2017</a:t>
             </a:fld>
             <a:endParaRPr lang="pt-PT"/>
           </a:p>
@@ -2098,7 +2098,7 @@
           <a:p>
             <a:fld id="{2680F75E-BF8A-4352-8DF2-5712531B63DB}" type="datetimeFigureOut">
               <a:rPr lang="pt-PT" smtClean="0"/>
-              <a:t>07/11/2017</a:t>
+              <a:t>10/11/2017</a:t>
             </a:fld>
             <a:endParaRPr lang="pt-PT"/>
           </a:p>
@@ -2351,7 +2351,7 @@
           <a:p>
             <a:fld id="{2680F75E-BF8A-4352-8DF2-5712531B63DB}" type="datetimeFigureOut">
               <a:rPr lang="pt-PT" smtClean="0"/>
-              <a:t>07/11/2017</a:t>
+              <a:t>10/11/2017</a:t>
             </a:fld>
             <a:endParaRPr lang="pt-PT"/>
           </a:p>
@@ -2564,7 +2564,7 @@
           <a:p>
             <a:fld id="{2680F75E-BF8A-4352-8DF2-5712531B63DB}" type="datetimeFigureOut">
               <a:rPr lang="pt-PT" smtClean="0"/>
-              <a:t>07/11/2017</a:t>
+              <a:t>10/11/2017</a:t>
             </a:fld>
             <a:endParaRPr lang="pt-PT"/>
           </a:p>
@@ -2969,8 +2969,51 @@
           <a:chExt cx="0" cy="0"/>
         </a:xfrm>
       </p:grpSpPr>
-      <mc:AlternateContent xmlns:mc="http://schemas.openxmlformats.org/markup-compatibility/2006">
-        <mc:Choice xmlns:a14="http://schemas.microsoft.com/office/drawing/2010/main" Requires="a14">
+      <p:sp>
+        <p:nvSpPr>
+          <p:cNvPr id="334" name="Rectangle 333"/>
+          <p:cNvSpPr/>
+          <p:nvPr/>
+        </p:nvSpPr>
+        <p:spPr>
+          <a:xfrm>
+            <a:off x="86207" y="52343"/>
+            <a:ext cx="5664545" cy="6733114"/>
+          </a:xfrm>
+          <a:prstGeom prst="rect">
+            <a:avLst/>
+          </a:prstGeom>
+          <a:ln w="19050">
+            <a:solidFill>
+              <a:schemeClr val="tx1"/>
+            </a:solidFill>
+            <a:prstDash val="sysDot"/>
+          </a:ln>
+        </p:spPr>
+        <p:style>
+          <a:lnRef idx="2">
+            <a:schemeClr val="dk1"/>
+          </a:lnRef>
+          <a:fillRef idx="1">
+            <a:schemeClr val="lt1"/>
+          </a:fillRef>
+          <a:effectRef idx="0">
+            <a:schemeClr val="dk1"/>
+          </a:effectRef>
+          <a:fontRef idx="minor">
+            <a:schemeClr val="dk1"/>
+          </a:fontRef>
+        </p:style>
+        <p:txBody>
+          <a:bodyPr rtlCol="0" anchor="ctr"/>
+          <a:lstStyle/>
+          <a:p>
+            <a:endParaRPr lang="en-US" dirty="0"/>
+          </a:p>
+        </p:txBody>
+      </p:sp>
+      <mc:AlternateContent xmlns:mc="http://schemas.openxmlformats.org/markup-compatibility/2006" xmlns:a14="http://schemas.microsoft.com/office/drawing/2010/main">
+        <mc:Choice Requires="a14">
           <p:sp>
             <p:nvSpPr>
               <p:cNvPr id="105" name="Rectangle 104"/>
@@ -3039,7 +3082,7 @@
             </p:txBody>
           </p:sp>
         </mc:Choice>
-        <mc:Fallback>
+        <mc:Fallback xmlns="">
           <p:sp>
             <p:nvSpPr>
               <p:cNvPr id="105" name="Rectangle 104"/>
@@ -3086,50 +3129,6 @@
       </mc:AlternateContent>
       <p:sp>
         <p:nvSpPr>
-          <p:cNvPr id="334" name="Rectangle 333"/>
-          <p:cNvSpPr/>
-          <p:nvPr/>
-        </p:nvSpPr>
-        <p:spPr>
-          <a:xfrm>
-            <a:off x="66410" y="82604"/>
-            <a:ext cx="5664545" cy="6733114"/>
-          </a:xfrm>
-          <a:prstGeom prst="rect">
-            <a:avLst/>
-          </a:prstGeom>
-          <a:ln w="19050">
-            <a:solidFill>
-              <a:schemeClr val="tx1"/>
-            </a:solidFill>
-            <a:prstDash val="sysDot"/>
-          </a:ln>
-        </p:spPr>
-        <p:style>
-          <a:lnRef idx="2">
-            <a:schemeClr val="dk1"/>
-          </a:lnRef>
-          <a:fillRef idx="1">
-            <a:schemeClr val="lt1"/>
-          </a:fillRef>
-          <a:effectRef idx="0">
-            <a:schemeClr val="dk1"/>
-          </a:effectRef>
-          <a:fontRef idx="minor">
-            <a:schemeClr val="dk1"/>
-          </a:fontRef>
-        </p:style>
-        <p:txBody>
-          <a:bodyPr rtlCol="0" anchor="ctr"/>
-          <a:lstStyle/>
-          <a:p>
-            <a:pPr/>
-            <a:endParaRPr lang="en-US" dirty="0"/>
-          </a:p>
-        </p:txBody>
-      </p:sp>
-      <p:sp>
-        <p:nvSpPr>
           <p:cNvPr id="335" name="Rectangle 334"/>
           <p:cNvSpPr/>
           <p:nvPr/>
@@ -3182,9 +3181,9 @@
           <p:nvPr/>
         </p:nvCxnSpPr>
         <p:spPr>
-          <a:xfrm flipH="1">
-            <a:off x="2223334" y="1236716"/>
-            <a:ext cx="224" cy="330994"/>
+          <a:xfrm>
+            <a:off x="2215634" y="1221781"/>
+            <a:ext cx="0" cy="343320"/>
           </a:xfrm>
           <a:prstGeom prst="straightConnector1">
             <a:avLst/>
@@ -3218,9 +3217,9 @@
           <p:nvPr/>
         </p:nvCxnSpPr>
         <p:spPr>
-          <a:xfrm flipH="1">
-            <a:off x="1692316" y="1236716"/>
-            <a:ext cx="224" cy="330994"/>
+          <a:xfrm>
+            <a:off x="1697205" y="1221090"/>
+            <a:ext cx="0" cy="344011"/>
           </a:xfrm>
           <a:prstGeom prst="straightConnector1">
             <a:avLst/>
@@ -3749,8 +3748,8 @@
           </a:fontRef>
         </p:style>
       </p:cxnSp>
-      <mc:AlternateContent xmlns:mc="http://schemas.openxmlformats.org/markup-compatibility/2006">
-        <mc:Choice xmlns:a14="http://schemas.microsoft.com/office/drawing/2010/main" Requires="a14">
+      <mc:AlternateContent xmlns:mc="http://schemas.openxmlformats.org/markup-compatibility/2006" xmlns:a14="http://schemas.microsoft.com/office/drawing/2010/main">
+        <mc:Choice Requires="a14">
           <p:sp>
             <p:nvSpPr>
               <p:cNvPr id="336" name="TextBox 335"/>
@@ -3800,7 +3799,7 @@
             </p:txBody>
           </p:sp>
         </mc:Choice>
-        <mc:Fallback>
+        <mc:Fallback xmlns="">
           <p:sp>
             <p:nvSpPr>
               <p:cNvPr id="336" name="TextBox 335"/>
@@ -3979,8 +3978,8 @@
           </a:fontRef>
         </p:style>
       </p:cxnSp>
-      <mc:AlternateContent xmlns:mc="http://schemas.openxmlformats.org/markup-compatibility/2006">
-        <mc:Choice xmlns:a14="http://schemas.microsoft.com/office/drawing/2010/main" Requires="a14">
+      <mc:AlternateContent xmlns:mc="http://schemas.openxmlformats.org/markup-compatibility/2006" xmlns:a14="http://schemas.microsoft.com/office/drawing/2010/main">
+        <mc:Choice Requires="a14">
           <p:sp>
             <p:nvSpPr>
               <p:cNvPr id="363" name="Rectangle 362"/>
@@ -4029,7 +4028,7 @@
             </p:txBody>
           </p:sp>
         </mc:Choice>
-        <mc:Fallback>
+        <mc:Fallback xmlns="">
           <p:sp>
             <p:nvSpPr>
               <p:cNvPr id="363" name="Rectangle 362"/>
@@ -4071,8 +4070,8 @@
           </p:sp>
         </mc:Fallback>
       </mc:AlternateContent>
-      <mc:AlternateContent xmlns:mc="http://schemas.openxmlformats.org/markup-compatibility/2006">
-        <mc:Choice xmlns:a14="http://schemas.microsoft.com/office/drawing/2010/main" Requires="a14">
+      <mc:AlternateContent xmlns:mc="http://schemas.openxmlformats.org/markup-compatibility/2006" xmlns:a14="http://schemas.microsoft.com/office/drawing/2010/main">
+        <mc:Choice Requires="a14">
           <p:sp>
             <p:nvSpPr>
               <p:cNvPr id="364" name="Rectangle 363"/>
@@ -4121,7 +4120,7 @@
             </p:txBody>
           </p:sp>
         </mc:Choice>
-        <mc:Fallback>
+        <mc:Fallback xmlns="">
           <p:sp>
             <p:nvSpPr>
               <p:cNvPr id="364" name="Rectangle 363"/>
@@ -6470,8 +6469,8 @@
           </a:fontRef>
         </p:style>
       </p:cxnSp>
-      <mc:AlternateContent xmlns:mc="http://schemas.openxmlformats.org/markup-compatibility/2006">
-        <mc:Choice xmlns:a14="http://schemas.microsoft.com/office/drawing/2010/main" Requires="a14">
+      <mc:AlternateContent xmlns:mc="http://schemas.openxmlformats.org/markup-compatibility/2006" xmlns:a14="http://schemas.microsoft.com/office/drawing/2010/main">
+        <mc:Choice Requires="a14">
           <p:sp>
             <p:nvSpPr>
               <p:cNvPr id="22" name="Rectangle 21"/>
@@ -6528,7 +6527,7 @@
             </p:txBody>
           </p:sp>
         </mc:Choice>
-        <mc:Fallback>
+        <mc:Fallback xmlns="">
           <p:sp>
             <p:nvSpPr>
               <p:cNvPr id="22" name="Rectangle 21"/>
@@ -6674,8 +6673,8 @@
           </a:fontRef>
         </p:style>
       </p:cxnSp>
-      <mc:AlternateContent xmlns:mc="http://schemas.openxmlformats.org/markup-compatibility/2006">
-        <mc:Choice xmlns:a14="http://schemas.microsoft.com/office/drawing/2010/main" Requires="a14">
+      <mc:AlternateContent xmlns:mc="http://schemas.openxmlformats.org/markup-compatibility/2006" xmlns:a14="http://schemas.microsoft.com/office/drawing/2010/main">
+        <mc:Choice Requires="a14">
           <p:sp>
             <p:nvSpPr>
               <p:cNvPr id="106" name="Rectangle 105"/>
@@ -6724,7 +6723,7 @@
             </p:txBody>
           </p:sp>
         </mc:Choice>
-        <mc:Fallback>
+        <mc:Fallback xmlns="">
           <p:sp>
             <p:nvSpPr>
               <p:cNvPr id="106" name="Rectangle 105"/>
@@ -6745,6 +6744,250 @@
                 <a:blip r:embed="rId30"/>
                 <a:stretch>
                   <a:fillRect b="-13115"/>
+                </a:stretch>
+              </a:blipFill>
+              <a:ln w="19050">
+                <a:noFill/>
+              </a:ln>
+            </p:spPr>
+            <p:txBody>
+              <a:bodyPr/>
+              <a:lstStyle/>
+              <a:p>
+                <a:r>
+                  <a:rPr lang="en-US">
+                    <a:noFill/>
+                  </a:rPr>
+                  <a:t> </a:t>
+                </a:r>
+              </a:p>
+            </p:txBody>
+          </p:sp>
+        </mc:Fallback>
+      </mc:AlternateContent>
+      <mc:AlternateContent xmlns:mc="http://schemas.openxmlformats.org/markup-compatibility/2006" xmlns:a14="http://schemas.microsoft.com/office/drawing/2010/main">
+        <mc:Choice Requires="a14">
+          <p:sp>
+            <p:nvSpPr>
+              <p:cNvPr id="83" name="TextBox 82"/>
+              <p:cNvSpPr txBox="1"/>
+              <p:nvPr/>
+            </p:nvSpPr>
+            <p:spPr>
+              <a:xfrm>
+                <a:off x="1455675" y="1264168"/>
+                <a:ext cx="253787" cy="246221"/>
+              </a:xfrm>
+              <a:prstGeom prst="rect">
+                <a:avLst/>
+              </a:prstGeom>
+              <a:noFill/>
+              <a:ln w="19050">
+                <a:noFill/>
+              </a:ln>
+            </p:spPr>
+            <p:txBody>
+              <a:bodyPr wrap="none" lIns="0" tIns="0" rIns="0" bIns="0" rtlCol="0">
+                <a:spAutoFit/>
+              </a:bodyPr>
+              <a:lstStyle/>
+              <a:p>
+                <a:pPr/>
+                <a14:m>
+                  <m:oMathPara xmlns:m="http://schemas.openxmlformats.org/officeDocument/2006/math">
+                    <m:oMathParaPr>
+                      <m:jc m:val="centerGroup"/>
+                    </m:oMathParaPr>
+                    <m:oMath xmlns:m="http://schemas.openxmlformats.org/officeDocument/2006/math">
+                      <m:sSub>
+                        <m:sSubPr>
+                          <m:ctrlPr>
+                            <a:rPr lang="en-US" sz="1600" b="1" i="1" smtClean="0">
+                              <a:solidFill>
+                                <a:srgbClr val="FF0000"/>
+                              </a:solidFill>
+                              <a:latin typeface="Cambria Math" panose="02040503050406030204" pitchFamily="18" charset="0"/>
+                            </a:rPr>
+                          </m:ctrlPr>
+                        </m:sSubPr>
+                        <m:e>
+                          <m:r>
+                            <a:rPr lang="en-US" sz="1600" b="1" i="0" smtClean="0">
+                              <a:solidFill>
+                                <a:srgbClr val="FF0000"/>
+                              </a:solidFill>
+                              <a:latin typeface="Cambria Math" panose="02040503050406030204" pitchFamily="18" charset="0"/>
+                            </a:rPr>
+                            <m:t>𝐒</m:t>
+                          </m:r>
+                        </m:e>
+                        <m:sub>
+                          <m:r>
+                            <a:rPr lang="en-US" sz="1600" b="1" i="0" smtClean="0">
+                              <a:solidFill>
+                                <a:srgbClr val="FF0000"/>
+                              </a:solidFill>
+                              <a:latin typeface="Cambria Math" panose="02040503050406030204" pitchFamily="18" charset="0"/>
+                            </a:rPr>
+                            <m:t>𝟕</m:t>
+                          </m:r>
+                        </m:sub>
+                      </m:sSub>
+                    </m:oMath>
+                  </m:oMathPara>
+                </a14:m>
+                <a:endParaRPr lang="en-US" sz="1600" b="1" dirty="0">
+                  <a:solidFill>
+                    <a:srgbClr val="FF0000"/>
+                  </a:solidFill>
+                </a:endParaRPr>
+              </a:p>
+            </p:txBody>
+          </p:sp>
+        </mc:Choice>
+        <mc:Fallback xmlns="">
+          <p:sp>
+            <p:nvSpPr>
+              <p:cNvPr id="83" name="TextBox 82"/>
+              <p:cNvSpPr txBox="1">
+                <a:spLocks noRot="1" noChangeAspect="1" noMove="1" noResize="1" noEditPoints="1" noAdjustHandles="1" noChangeArrowheads="1" noChangeShapeType="1" noTextEdit="1"/>
+              </p:cNvSpPr>
+              <p:nvPr/>
+            </p:nvSpPr>
+            <p:spPr>
+              <a:xfrm>
+                <a:off x="1455675" y="1264168"/>
+                <a:ext cx="253787" cy="246221"/>
+              </a:xfrm>
+              <a:prstGeom prst="rect">
+                <a:avLst/>
+              </a:prstGeom>
+              <a:blipFill>
+                <a:blip r:embed="rId31"/>
+                <a:stretch>
+                  <a:fillRect l="-19512" r="-4878" b="-14634"/>
+                </a:stretch>
+              </a:blipFill>
+              <a:ln w="19050">
+                <a:noFill/>
+              </a:ln>
+            </p:spPr>
+            <p:txBody>
+              <a:bodyPr/>
+              <a:lstStyle/>
+              <a:p>
+                <a:r>
+                  <a:rPr lang="en-US">
+                    <a:noFill/>
+                  </a:rPr>
+                  <a:t> </a:t>
+                </a:r>
+              </a:p>
+            </p:txBody>
+          </p:sp>
+        </mc:Fallback>
+      </mc:AlternateContent>
+      <mc:AlternateContent xmlns:mc="http://schemas.openxmlformats.org/markup-compatibility/2006">
+        <mc:Choice xmlns:a14="http://schemas.microsoft.com/office/drawing/2010/main" Requires="a14">
+          <p:sp>
+            <p:nvSpPr>
+              <p:cNvPr id="84" name="TextBox 83"/>
+              <p:cNvSpPr txBox="1"/>
+              <p:nvPr/>
+            </p:nvSpPr>
+            <p:spPr>
+              <a:xfrm>
+                <a:off x="2219587" y="1264168"/>
+                <a:ext cx="253787" cy="246221"/>
+              </a:xfrm>
+              <a:prstGeom prst="rect">
+                <a:avLst/>
+              </a:prstGeom>
+              <a:noFill/>
+              <a:ln w="19050">
+                <a:noFill/>
+              </a:ln>
+            </p:spPr>
+            <p:txBody>
+              <a:bodyPr wrap="none" lIns="0" tIns="0" rIns="0" bIns="0" rtlCol="0">
+                <a:spAutoFit/>
+              </a:bodyPr>
+              <a:lstStyle/>
+              <a:p>
+                <a:pPr/>
+                <a14:m>
+                  <m:oMathPara xmlns:m="http://schemas.openxmlformats.org/officeDocument/2006/math">
+                    <m:oMathParaPr>
+                      <m:jc m:val="centerGroup"/>
+                    </m:oMathParaPr>
+                    <m:oMath xmlns:m="http://schemas.openxmlformats.org/officeDocument/2006/math">
+                      <m:sSub>
+                        <m:sSubPr>
+                          <m:ctrlPr>
+                            <a:rPr lang="en-US" sz="1600" b="1" i="1" smtClean="0">
+                              <a:solidFill>
+                                <a:srgbClr val="FF0000"/>
+                              </a:solidFill>
+                              <a:latin typeface="Cambria Math" panose="02040503050406030204" pitchFamily="18" charset="0"/>
+                            </a:rPr>
+                          </m:ctrlPr>
+                        </m:sSubPr>
+                        <m:e>
+                          <m:r>
+                            <a:rPr lang="en-US" sz="1600" b="1" i="0" smtClean="0">
+                              <a:solidFill>
+                                <a:srgbClr val="FF0000"/>
+                              </a:solidFill>
+                              <a:latin typeface="Cambria Math" panose="02040503050406030204" pitchFamily="18" charset="0"/>
+                            </a:rPr>
+                            <m:t>𝐒</m:t>
+                          </m:r>
+                        </m:e>
+                        <m:sub>
+                          <m:r>
+                            <a:rPr lang="en-US" sz="1600" b="1" i="1" smtClean="0">
+                              <a:solidFill>
+                                <a:srgbClr val="FF0000"/>
+                              </a:solidFill>
+                              <a:latin typeface="Cambria Math" panose="02040503050406030204" pitchFamily="18" charset="0"/>
+                            </a:rPr>
+                            <m:t>𝟗</m:t>
+                          </m:r>
+                        </m:sub>
+                      </m:sSub>
+                    </m:oMath>
+                  </m:oMathPara>
+                </a14:m>
+                <a:endParaRPr lang="en-US" sz="1600" b="1" dirty="0">
+                  <a:solidFill>
+                    <a:srgbClr val="FF0000"/>
+                  </a:solidFill>
+                </a:endParaRPr>
+              </a:p>
+            </p:txBody>
+          </p:sp>
+        </mc:Choice>
+        <mc:Fallback>
+          <p:sp>
+            <p:nvSpPr>
+              <p:cNvPr id="84" name="TextBox 83"/>
+              <p:cNvSpPr txBox="1">
+                <a:spLocks noRot="1" noChangeAspect="1" noMove="1" noResize="1" noEditPoints="1" noAdjustHandles="1" noChangeArrowheads="1" noChangeShapeType="1" noTextEdit="1"/>
+              </p:cNvSpPr>
+              <p:nvPr/>
+            </p:nvSpPr>
+            <p:spPr>
+              <a:xfrm>
+                <a:off x="2219587" y="1264168"/>
+                <a:ext cx="253787" cy="246221"/>
+              </a:xfrm>
+              <a:prstGeom prst="rect">
+                <a:avLst/>
+              </a:prstGeom>
+              <a:blipFill>
+                <a:blip r:embed="rId32"/>
+                <a:stretch>
+                  <a:fillRect l="-16667" r="-4762" b="-14634"/>
                 </a:stretch>
               </a:blipFill>
               <a:ln w="19050">

--- a/doc/tex/sdf/simplified_coherent_receiver/slides/figures/Practical_setup_TxRx.pptx
+++ b/doc/tex/sdf/simplified_coherent_receiver/slides/figures/Practical_setup_TxRx.pptx
@@ -243,7 +243,7 @@
           <a:p>
             <a:fld id="{2680F75E-BF8A-4352-8DF2-5712531B63DB}" type="datetimeFigureOut">
               <a:rPr lang="pt-PT" smtClean="0"/>
-              <a:t>10/11/2017</a:t>
+              <a:t>13/11/2017</a:t>
             </a:fld>
             <a:endParaRPr lang="pt-PT"/>
           </a:p>
@@ -413,7 +413,7 @@
           <a:p>
             <a:fld id="{2680F75E-BF8A-4352-8DF2-5712531B63DB}" type="datetimeFigureOut">
               <a:rPr lang="pt-PT" smtClean="0"/>
-              <a:t>10/11/2017</a:t>
+              <a:t>13/11/2017</a:t>
             </a:fld>
             <a:endParaRPr lang="pt-PT"/>
           </a:p>
@@ -593,7 +593,7 @@
           <a:p>
             <a:fld id="{2680F75E-BF8A-4352-8DF2-5712531B63DB}" type="datetimeFigureOut">
               <a:rPr lang="pt-PT" smtClean="0"/>
-              <a:t>10/11/2017</a:t>
+              <a:t>13/11/2017</a:t>
             </a:fld>
             <a:endParaRPr lang="pt-PT"/>
           </a:p>
@@ -763,7 +763,7 @@
           <a:p>
             <a:fld id="{2680F75E-BF8A-4352-8DF2-5712531B63DB}" type="datetimeFigureOut">
               <a:rPr lang="pt-PT" smtClean="0"/>
-              <a:t>10/11/2017</a:t>
+              <a:t>13/11/2017</a:t>
             </a:fld>
             <a:endParaRPr lang="pt-PT"/>
           </a:p>
@@ -1009,7 +1009,7 @@
           <a:p>
             <a:fld id="{2680F75E-BF8A-4352-8DF2-5712531B63DB}" type="datetimeFigureOut">
               <a:rPr lang="pt-PT" smtClean="0"/>
-              <a:t>10/11/2017</a:t>
+              <a:t>13/11/2017</a:t>
             </a:fld>
             <a:endParaRPr lang="pt-PT"/>
           </a:p>
@@ -1241,7 +1241,7 @@
           <a:p>
             <a:fld id="{2680F75E-BF8A-4352-8DF2-5712531B63DB}" type="datetimeFigureOut">
               <a:rPr lang="pt-PT" smtClean="0"/>
-              <a:t>10/11/2017</a:t>
+              <a:t>13/11/2017</a:t>
             </a:fld>
             <a:endParaRPr lang="pt-PT"/>
           </a:p>
@@ -1608,7 +1608,7 @@
           <a:p>
             <a:fld id="{2680F75E-BF8A-4352-8DF2-5712531B63DB}" type="datetimeFigureOut">
               <a:rPr lang="pt-PT" smtClean="0"/>
-              <a:t>10/11/2017</a:t>
+              <a:t>13/11/2017</a:t>
             </a:fld>
             <a:endParaRPr lang="pt-PT"/>
           </a:p>
@@ -1726,7 +1726,7 @@
           <a:p>
             <a:fld id="{2680F75E-BF8A-4352-8DF2-5712531B63DB}" type="datetimeFigureOut">
               <a:rPr lang="pt-PT" smtClean="0"/>
-              <a:t>10/11/2017</a:t>
+              <a:t>13/11/2017</a:t>
             </a:fld>
             <a:endParaRPr lang="pt-PT"/>
           </a:p>
@@ -1821,7 +1821,7 @@
           <a:p>
             <a:fld id="{2680F75E-BF8A-4352-8DF2-5712531B63DB}" type="datetimeFigureOut">
               <a:rPr lang="pt-PT" smtClean="0"/>
-              <a:t>10/11/2017</a:t>
+              <a:t>13/11/2017</a:t>
             </a:fld>
             <a:endParaRPr lang="pt-PT"/>
           </a:p>
@@ -2098,7 +2098,7 @@
           <a:p>
             <a:fld id="{2680F75E-BF8A-4352-8DF2-5712531B63DB}" type="datetimeFigureOut">
               <a:rPr lang="pt-PT" smtClean="0"/>
-              <a:t>10/11/2017</a:t>
+              <a:t>13/11/2017</a:t>
             </a:fld>
             <a:endParaRPr lang="pt-PT"/>
           </a:p>
@@ -2351,7 +2351,7 @@
           <a:p>
             <a:fld id="{2680F75E-BF8A-4352-8DF2-5712531B63DB}" type="datetimeFigureOut">
               <a:rPr lang="pt-PT" smtClean="0"/>
-              <a:t>10/11/2017</a:t>
+              <a:t>13/11/2017</a:t>
             </a:fld>
             <a:endParaRPr lang="pt-PT"/>
           </a:p>
@@ -2564,7 +2564,7 @@
           <a:p>
             <a:fld id="{2680F75E-BF8A-4352-8DF2-5712531B63DB}" type="datetimeFigureOut">
               <a:rPr lang="pt-PT" smtClean="0"/>
-              <a:t>10/11/2017</a:t>
+              <a:t>13/11/2017</a:t>
             </a:fld>
             <a:endParaRPr lang="pt-PT"/>
           </a:p>
@@ -6887,8 +6887,8 @@
           </p:sp>
         </mc:Fallback>
       </mc:AlternateContent>
-      <mc:AlternateContent xmlns:mc="http://schemas.openxmlformats.org/markup-compatibility/2006">
-        <mc:Choice xmlns:a14="http://schemas.microsoft.com/office/drawing/2010/main" Requires="a14">
+      <mc:AlternateContent xmlns:mc="http://schemas.openxmlformats.org/markup-compatibility/2006" xmlns:a14="http://schemas.microsoft.com/office/drawing/2010/main">
+        <mc:Choice Requires="a14">
           <p:sp>
             <p:nvSpPr>
               <p:cNvPr id="84" name="TextBox 83"/>
@@ -6967,7 +6967,7 @@
             </p:txBody>
           </p:sp>
         </mc:Choice>
-        <mc:Fallback>
+        <mc:Fallback xmlns="">
           <p:sp>
             <p:nvSpPr>
               <p:cNvPr id="84" name="TextBox 83"/>
@@ -6988,6 +6988,128 @@
                 <a:blip r:embed="rId32"/>
                 <a:stretch>
                   <a:fillRect l="-16667" r="-4762" b="-14634"/>
+                </a:stretch>
+              </a:blipFill>
+              <a:ln w="19050">
+                <a:noFill/>
+              </a:ln>
+            </p:spPr>
+            <p:txBody>
+              <a:bodyPr/>
+              <a:lstStyle/>
+              <a:p>
+                <a:r>
+                  <a:rPr lang="en-US">
+                    <a:noFill/>
+                  </a:rPr>
+                  <a:t> </a:t>
+                </a:r>
+              </a:p>
+            </p:txBody>
+          </p:sp>
+        </mc:Fallback>
+      </mc:AlternateContent>
+      <mc:AlternateContent xmlns:mc="http://schemas.openxmlformats.org/markup-compatibility/2006">
+        <mc:Choice xmlns:a14="http://schemas.microsoft.com/office/drawing/2010/main" Requires="a14">
+          <p:sp>
+            <p:nvSpPr>
+              <p:cNvPr id="77" name="TextBox 76"/>
+              <p:cNvSpPr txBox="1"/>
+              <p:nvPr/>
+            </p:nvSpPr>
+            <p:spPr>
+              <a:xfrm>
+                <a:off x="2578437" y="1600584"/>
+                <a:ext cx="343556" cy="246221"/>
+              </a:xfrm>
+              <a:prstGeom prst="rect">
+                <a:avLst/>
+              </a:prstGeom>
+              <a:noFill/>
+              <a:ln w="19050">
+                <a:noFill/>
+              </a:ln>
+            </p:spPr>
+            <p:txBody>
+              <a:bodyPr wrap="none" lIns="0" tIns="0" rIns="0" bIns="0" rtlCol="0">
+                <a:spAutoFit/>
+              </a:bodyPr>
+              <a:lstStyle/>
+              <a:p>
+                <a:pPr/>
+                <a14:m>
+                  <m:oMathPara xmlns:m="http://schemas.openxmlformats.org/officeDocument/2006/math">
+                    <m:oMathParaPr>
+                      <m:jc m:val="centerGroup"/>
+                    </m:oMathParaPr>
+                    <m:oMath xmlns:m="http://schemas.openxmlformats.org/officeDocument/2006/math">
+                      <m:sSub>
+                        <m:sSubPr>
+                          <m:ctrlPr>
+                            <a:rPr lang="en-US" sz="1600" b="1" i="1" smtClean="0">
+                              <a:solidFill>
+                                <a:srgbClr val="FF0000"/>
+                              </a:solidFill>
+                              <a:latin typeface="Cambria Math" panose="02040503050406030204" pitchFamily="18" charset="0"/>
+                            </a:rPr>
+                          </m:ctrlPr>
+                        </m:sSubPr>
+                        <m:e>
+                          <m:r>
+                            <a:rPr lang="en-US" sz="1600" b="1" i="0" smtClean="0">
+                              <a:solidFill>
+                                <a:srgbClr val="FF0000"/>
+                              </a:solidFill>
+                              <a:latin typeface="Cambria Math" panose="02040503050406030204" pitchFamily="18" charset="0"/>
+                            </a:rPr>
+                            <m:t>𝐒</m:t>
+                          </m:r>
+                        </m:e>
+                        <m:sub>
+                          <m:r>
+                            <a:rPr lang="en-US" sz="1600" b="1" i="1" smtClean="0">
+                              <a:solidFill>
+                                <a:srgbClr val="FF0000"/>
+                              </a:solidFill>
+                              <a:latin typeface="Cambria Math" panose="02040503050406030204" pitchFamily="18" charset="0"/>
+                            </a:rPr>
+                            <m:t>𝟏𝟎</m:t>
+                          </m:r>
+                        </m:sub>
+                      </m:sSub>
+                    </m:oMath>
+                  </m:oMathPara>
+                </a14:m>
+                <a:endParaRPr lang="en-US" sz="1600" b="1" dirty="0">
+                  <a:solidFill>
+                    <a:srgbClr val="FF0000"/>
+                  </a:solidFill>
+                </a:endParaRPr>
+              </a:p>
+            </p:txBody>
+          </p:sp>
+        </mc:Choice>
+        <mc:Fallback>
+          <p:sp>
+            <p:nvSpPr>
+              <p:cNvPr id="77" name="TextBox 76"/>
+              <p:cNvSpPr txBox="1">
+                <a:spLocks noRot="1" noChangeAspect="1" noMove="1" noResize="1" noEditPoints="1" noAdjustHandles="1" noChangeArrowheads="1" noChangeShapeType="1" noTextEdit="1"/>
+              </p:cNvSpPr>
+              <p:nvPr/>
+            </p:nvSpPr>
+            <p:spPr>
+              <a:xfrm>
+                <a:off x="2578437" y="1600584"/>
+                <a:ext cx="343556" cy="246221"/>
+              </a:xfrm>
+              <a:prstGeom prst="rect">
+                <a:avLst/>
+              </a:prstGeom>
+              <a:blipFill>
+                <a:blip r:embed="rId33"/>
+                <a:stretch>
+                  <a:fillRect l="-14286" r="-3571" b="-15000"/>
                 </a:stretch>
               </a:blipFill>
               <a:ln w="19050">
